--- a/lessons/class5/Class5E.pptx
+++ b/lessons/class5/Class5E.pptx
@@ -6871,7 +6871,7 @@
           <a:p>
             <a:fld id="{B0C0A60C-850A-4EA4-9C14-A8FE98B94505}" type="datetimeFigureOut">
               <a:rPr lang="en-US" smtClean="0"/>
-              <a:t>1/25/21</a:t>
+              <a:t>3/3/21</a:t>
             </a:fld>
             <a:endParaRPr lang="en-US"/>
           </a:p>
@@ -7539,7 +7539,7 @@
           <a:p>
             <a:fld id="{5738B90E-0779-4C36-915C-6F05FCD89456}" type="datetime1">
               <a:rPr lang="en-US" smtClean="0"/>
-              <a:t>1/25/21</a:t>
+              <a:t>3/3/21</a:t>
             </a:fld>
             <a:endParaRPr lang="en-US"/>
           </a:p>
@@ -7736,7 +7736,7 @@
           <a:p>
             <a:fld id="{7B9EA29D-D431-42FE-B7B6-AAE4454C77D3}" type="datetime1">
               <a:rPr lang="en-US" smtClean="0"/>
-              <a:t>1/25/21</a:t>
+              <a:t>3/3/21</a:t>
             </a:fld>
             <a:endParaRPr lang="en-US"/>
           </a:p>
@@ -8091,7 +8091,7 @@
           <a:p>
             <a:fld id="{690D8A1E-EA8F-46C1-B891-AE0C00D9C314}" type="datetime1">
               <a:rPr lang="en-US" smtClean="0"/>
-              <a:t>1/25/21</a:t>
+              <a:t>3/3/21</a:t>
             </a:fld>
             <a:endParaRPr lang="en-US"/>
           </a:p>
@@ -8399,7 +8399,7 @@
           <a:p>
             <a:fld id="{D753EFC8-4232-4598-94F6-94C0EBAFC469}" type="datetime1">
               <a:rPr lang="en-US" smtClean="0"/>
-              <a:t>1/25/21</a:t>
+              <a:t>3/3/21</a:t>
             </a:fld>
             <a:endParaRPr lang="en-US"/>
           </a:p>
@@ -8728,7 +8728,7 @@
           <a:p>
             <a:fld id="{F3161074-1C18-4AE7-957D-F18524378C85}" type="datetime1">
               <a:rPr lang="en-US" smtClean="0"/>
-              <a:t>1/25/21</a:t>
+              <a:t>3/3/21</a:t>
             </a:fld>
             <a:endParaRPr lang="en-US"/>
           </a:p>
@@ -8981,7 +8981,7 @@
           <a:p>
             <a:fld id="{69BE256C-8D9A-4404-B47D-41A1AE514425}" type="datetime1">
               <a:rPr lang="en-US" smtClean="0"/>
-              <a:t>1/25/21</a:t>
+              <a:t>3/3/21</a:t>
             </a:fld>
             <a:endParaRPr lang="en-US"/>
           </a:p>
@@ -9429,7 +9429,7 @@
           <a:p>
             <a:fld id="{66CB2154-9035-4012-8189-BAAB61C5A5EE}" type="datetime1">
               <a:rPr lang="en-US" smtClean="0"/>
-              <a:t>1/25/21</a:t>
+              <a:t>3/3/21</a:t>
             </a:fld>
             <a:endParaRPr lang="en-US"/>
           </a:p>
@@ -9617,7 +9617,7 @@
           <a:p>
             <a:fld id="{6700A58B-DD98-43D0-B791-721480A02982}" type="datetime1">
               <a:rPr lang="en-US" smtClean="0"/>
-              <a:t>1/25/21</a:t>
+              <a:t>3/3/21</a:t>
             </a:fld>
             <a:endParaRPr lang="en-US"/>
           </a:p>
@@ -9823,7 +9823,7 @@
           <a:p>
             <a:fld id="{7DB6E382-4F61-4E24-BE1A-377EC83D0E3A}" type="datetime1">
               <a:rPr lang="en-US" smtClean="0"/>
-              <a:t>1/25/21</a:t>
+              <a:t>3/3/21</a:t>
             </a:fld>
             <a:endParaRPr lang="en-US"/>
           </a:p>
@@ -10229,7 +10229,7 @@
           <a:p>
             <a:fld id="{4142EED6-FC16-45B9-B8C4-2BC5DBA88325}" type="datetime1">
               <a:rPr lang="en-US" smtClean="0"/>
-              <a:t>1/25/21</a:t>
+              <a:t>3/3/21</a:t>
             </a:fld>
             <a:endParaRPr lang="en-US"/>
           </a:p>
@@ -10561,7 +10561,7 @@
           <a:p>
             <a:fld id="{DF59512B-4F1D-43D7-8819-2F53FEF69650}" type="datetime1">
               <a:rPr lang="en-US" smtClean="0"/>
-              <a:t>1/25/21</a:t>
+              <a:t>3/3/21</a:t>
             </a:fld>
             <a:endParaRPr lang="en-US"/>
           </a:p>
@@ -10851,7 +10851,7 @@
           <a:p>
             <a:fld id="{08437B94-E2BF-44DC-ADC5-B05FC9934E9D}" type="datetime1">
               <a:rPr lang="en-US" smtClean="0"/>
-              <a:t>1/25/21</a:t>
+              <a:t>3/3/21</a:t>
             </a:fld>
             <a:endParaRPr lang="en-US"/>
           </a:p>
@@ -11290,7 +11290,7 @@
           <a:p>
             <a:fld id="{6700A58B-DD98-43D0-B791-721480A02982}" type="datetime1">
               <a:rPr lang="en-US" smtClean="0"/>
-              <a:t>1/25/21</a:t>
+              <a:t>3/3/21</a:t>
             </a:fld>
             <a:endParaRPr lang="en-US"/>
           </a:p>
@@ -11598,7 +11598,7 @@
           <a:p>
             <a:fld id="{6700A58B-DD98-43D0-B791-721480A02982}" type="datetime1">
               <a:rPr lang="en-US" smtClean="0"/>
-              <a:t>1/25/21</a:t>
+              <a:t>3/3/21</a:t>
             </a:fld>
             <a:endParaRPr lang="en-US"/>
           </a:p>
@@ -12530,7 +12530,7 @@
           <a:p>
             <a:fld id="{6700A58B-DD98-43D0-B791-721480A02982}" type="datetime1">
               <a:rPr lang="en-US" smtClean="0"/>
-              <a:t>1/25/21</a:t>
+              <a:t>3/3/21</a:t>
             </a:fld>
             <a:endParaRPr lang="en-US"/>
           </a:p>
@@ -13213,7 +13213,7 @@
           <a:p>
             <a:fld id="{6700A58B-DD98-43D0-B791-721480A02982}" type="datetime1">
               <a:rPr lang="en-US" smtClean="0"/>
-              <a:t>1/25/21</a:t>
+              <a:t>3/3/21</a:t>
             </a:fld>
             <a:endParaRPr lang="en-US"/>
           </a:p>
@@ -13441,7 +13441,7 @@
           <a:p>
             <a:fld id="{6700A58B-DD98-43D0-B791-721480A02982}" type="datetime1">
               <a:rPr lang="en-US" smtClean="0"/>
-              <a:t>1/25/21</a:t>
+              <a:t>3/3/21</a:t>
             </a:fld>
             <a:endParaRPr lang="en-US"/>
           </a:p>
@@ -15351,7 +15351,7 @@
           <a:p>
             <a:fld id="{6700A58B-DD98-43D0-B791-721480A02982}" type="datetime1">
               <a:rPr lang="en-US" smtClean="0"/>
-              <a:t>1/25/21</a:t>
+              <a:t>3/3/21</a:t>
             </a:fld>
             <a:endParaRPr lang="en-US"/>
           </a:p>
@@ -16608,7 +16608,7 @@
           <a:p>
             <a:fld id="{6700A58B-DD98-43D0-B791-721480A02982}" type="datetime1">
               <a:rPr lang="en-US" smtClean="0"/>
-              <a:t>1/25/21</a:t>
+              <a:t>3/3/21</a:t>
             </a:fld>
             <a:endParaRPr lang="en-US"/>
           </a:p>
@@ -16795,7 +16795,7 @@
           <a:p>
             <a:fld id="{6700A58B-DD98-43D0-B791-721480A02982}" type="datetime1">
               <a:rPr lang="en-US" smtClean="0"/>
-              <a:t>1/25/21</a:t>
+              <a:t>3/3/21</a:t>
             </a:fld>
             <a:endParaRPr lang="en-US"/>
           </a:p>
@@ -20460,7 +20460,7 @@
                   <a:spcPts val="600"/>
                 </a:spcAft>
               </a:pPr>
-              <a:t>1/25/21</a:t>
+              <a:t>3/3/21</a:t>
             </a:fld>
             <a:endParaRPr lang="en-US" sz="1200"/>
           </a:p>
@@ -21224,7 +21224,7 @@
                   <a:spcPts val="600"/>
                 </a:spcAft>
               </a:pPr>
-              <a:t>1/25/21</a:t>
+              <a:t>3/3/21</a:t>
             </a:fld>
             <a:endParaRPr lang="en-US" sz="1000">
               <a:solidFill>
@@ -21490,7 +21490,7 @@
                   <a:spcPts val="600"/>
                 </a:spcAft>
               </a:pPr>
-              <a:t>1/25/21</a:t>
+              <a:t>3/3/21</a:t>
             </a:fld>
             <a:endParaRPr lang="en-US" sz="1000">
               <a:solidFill>
@@ -21746,7 +21746,7 @@
           <a:p>
             <a:fld id="{6700A58B-DD98-43D0-B791-721480A02982}" type="datetime1">
               <a:rPr lang="en-US" smtClean="0"/>
-              <a:t>1/25/21</a:t>
+              <a:t>3/3/21</a:t>
             </a:fld>
             <a:endParaRPr lang="en-US"/>
           </a:p>
@@ -22862,7 +22862,7 @@
                   <a:spcPts val="600"/>
                 </a:spcAft>
               </a:pPr>
-              <a:t>1/25/21</a:t>
+              <a:t>3/3/21</a:t>
             </a:fld>
             <a:endParaRPr lang="en-US" sz="1200">
               <a:solidFill>
@@ -23040,7 +23040,7 @@
           <a:p>
             <a:fld id="{6700A58B-DD98-43D0-B791-721480A02982}" type="datetime1">
               <a:rPr lang="en-US" smtClean="0"/>
-              <a:t>1/25/21</a:t>
+              <a:t>3/3/21</a:t>
             </a:fld>
             <a:endParaRPr lang="en-US"/>
           </a:p>
@@ -24273,7 +24273,7 @@
           <a:p>
             <a:fld id="{6700A58B-DD98-43D0-B791-721480A02982}" type="datetime1">
               <a:rPr lang="en-US" smtClean="0"/>
-              <a:t>1/25/21</a:t>
+              <a:t>3/3/21</a:t>
             </a:fld>
             <a:endParaRPr lang="en-US"/>
           </a:p>
@@ -27980,7 +27980,7 @@
           <a:p>
             <a:fld id="{6700A58B-DD98-43D0-B791-721480A02982}" type="datetime1">
               <a:rPr lang="en-US" smtClean="0"/>
-              <a:t>1/25/21</a:t>
+              <a:t>3/3/21</a:t>
             </a:fld>
             <a:endParaRPr lang="en-US"/>
           </a:p>
@@ -29891,7 +29891,7 @@
           <a:p>
             <a:fld id="{6700A58B-DD98-43D0-B791-721480A02982}" type="datetime1">
               <a:rPr lang="en-US" smtClean="0"/>
-              <a:t>1/25/21</a:t>
+              <a:t>3/3/21</a:t>
             </a:fld>
             <a:endParaRPr lang="en-US"/>
           </a:p>
@@ -30804,7 +30804,7 @@
           <a:p>
             <a:fld id="{6700A58B-DD98-43D0-B791-721480A02982}" type="datetime1">
               <a:rPr lang="en-US" smtClean="0"/>
-              <a:t>1/25/21</a:t>
+              <a:t>3/3/21</a:t>
             </a:fld>
             <a:endParaRPr lang="en-US"/>
           </a:p>
@@ -31380,7 +31380,7 @@
           <a:p>
             <a:fld id="{6700A58B-DD98-43D0-B791-721480A02982}" type="datetime1">
               <a:rPr lang="en-US" smtClean="0"/>
-              <a:t>1/25/21</a:t>
+              <a:t>3/3/21</a:t>
             </a:fld>
             <a:endParaRPr lang="en-US"/>
           </a:p>
@@ -32385,7 +32385,7 @@
           <a:p>
             <a:fld id="{6700A58B-DD98-43D0-B791-721480A02982}" type="datetime1">
               <a:rPr lang="en-US" smtClean="0"/>
-              <a:t>1/25/21</a:t>
+              <a:t>3/3/21</a:t>
             </a:fld>
             <a:endParaRPr lang="en-US"/>
           </a:p>
@@ -33429,7 +33429,7 @@
           <a:p>
             <a:fld id="{6700A58B-DD98-43D0-B791-721480A02982}" type="datetime1">
               <a:rPr lang="en-US" smtClean="0"/>
-              <a:t>1/25/21</a:t>
+              <a:t>3/3/21</a:t>
             </a:fld>
             <a:endParaRPr lang="en-US"/>
           </a:p>
@@ -34482,7 +34482,7 @@
           <a:p>
             <a:fld id="{6700A58B-DD98-43D0-B791-721480A02982}" type="datetime1">
               <a:rPr lang="en-US" smtClean="0"/>
-              <a:t>1/25/21</a:t>
+              <a:t>3/3/21</a:t>
             </a:fld>
             <a:endParaRPr lang="en-US"/>
           </a:p>
@@ -35129,7 +35129,7 @@
           <a:p>
             <a:fld id="{6700A58B-DD98-43D0-B791-721480A02982}" type="datetime1">
               <a:rPr lang="en-US" smtClean="0"/>
-              <a:t>1/25/21</a:t>
+              <a:t>3/3/21</a:t>
             </a:fld>
             <a:endParaRPr lang="en-US"/>
           </a:p>
@@ -35750,7 +35750,7 @@
           <a:p>
             <a:fld id="{6700A58B-DD98-43D0-B791-721480A02982}" type="datetime1">
               <a:rPr lang="en-US" smtClean="0"/>
-              <a:t>1/25/21</a:t>
+              <a:t>3/3/21</a:t>
             </a:fld>
             <a:endParaRPr lang="en-US"/>
           </a:p>
@@ -35932,83 +35932,6 @@
           </a:p>
         </p:txBody>
       </p:sp>
-      <p:sp>
-        <p:nvSpPr>
-          <p:cNvPr id="8" name="Rectangle 7">
-            <a:extLst>
-              <a:ext uri="{FF2B5EF4-FFF2-40B4-BE49-F238E27FC236}">
-                <a16:creationId xmlns:a16="http://schemas.microsoft.com/office/drawing/2014/main" id="{39349FC9-E22D-524B-B487-F1DC7E9B593F}"/>
-              </a:ext>
-            </a:extLst>
-          </p:cNvPr>
-          <p:cNvSpPr/>
-          <p:nvPr/>
-        </p:nvSpPr>
-        <p:spPr>
-          <a:xfrm rot="20250049">
-            <a:off x="363435" y="3367352"/>
-            <a:ext cx="4351564" cy="1186887"/>
-          </a:xfrm>
-          <a:prstGeom prst="rect">
-            <a:avLst/>
-          </a:prstGeom>
-        </p:spPr>
-        <p:style>
-          <a:lnRef idx="2">
-            <a:schemeClr val="accent1">
-              <a:shade val="50000"/>
-            </a:schemeClr>
-          </a:lnRef>
-          <a:fillRef idx="1">
-            <a:schemeClr val="accent1"/>
-          </a:fillRef>
-          <a:effectRef idx="0">
-            <a:schemeClr val="accent1"/>
-          </a:effectRef>
-          <a:fontRef idx="minor">
-            <a:schemeClr val="lt1"/>
-          </a:fontRef>
-        </p:style>
-        <p:txBody>
-          <a:bodyPr rtlCol="0" anchor="ctr"/>
-          <a:lstStyle/>
-          <a:p>
-            <a:pPr algn="ctr"/>
-            <a:r>
-              <a:rPr lang="en-US" dirty="0"/>
-              <a:t>For our final class:</a:t>
-            </a:r>
-          </a:p>
-          <a:p>
-            <a:pPr marL="285750" indent="-285750" algn="ctr">
-              <a:buFontTx/>
-              <a:buChar char="-"/>
-            </a:pPr>
-            <a:r>
-              <a:rPr lang="en-US"/>
-              <a:t>Student </a:t>
-            </a:r>
-            <a:r>
-              <a:rPr lang="en-US" dirty="0"/>
-              <a:t>presenters; guest evaluators</a:t>
-            </a:r>
-          </a:p>
-          <a:p>
-            <a:pPr marL="285750" indent="-285750" algn="ctr">
-              <a:buFontTx/>
-              <a:buChar char="-"/>
-            </a:pPr>
-            <a:r>
-              <a:rPr lang="en-US" dirty="0"/>
-              <a:t>Please read/skim the ethics articles</a:t>
-            </a:r>
-          </a:p>
-          <a:p>
-            <a:pPr algn="ctr"/>
-            <a:endParaRPr lang="en-US" dirty="0"/>
-          </a:p>
-        </p:txBody>
-      </p:sp>
     </p:spTree>
     <p:extLst>
       <p:ext uri="{BB962C8B-B14F-4D97-AF65-F5344CB8AC3E}">
@@ -36019,84 +35942,6 @@
   <p:clrMapOvr>
     <a:masterClrMapping/>
   </p:clrMapOvr>
-  <p:timing>
-    <p:tnLst>
-      <p:par>
-        <p:cTn id="1" dur="indefinite" restart="never" nodeType="tmRoot">
-          <p:childTnLst>
-            <p:seq concurrent="1" nextAc="seek">
-              <p:cTn id="2" dur="indefinite" nodeType="mainSeq">
-                <p:childTnLst>
-                  <p:par>
-                    <p:cTn id="3" fill="hold">
-                      <p:stCondLst>
-                        <p:cond delay="indefinite"/>
-                      </p:stCondLst>
-                      <p:childTnLst>
-                        <p:par>
-                          <p:cTn id="4" fill="hold">
-                            <p:stCondLst>
-                              <p:cond delay="0"/>
-                            </p:stCondLst>
-                            <p:childTnLst>
-                              <p:par>
-                                <p:cTn id="5" presetID="1" presetClass="entr" presetSubtype="0" fill="hold" grpId="0" nodeType="clickEffect">
-                                  <p:stCondLst>
-                                    <p:cond delay="0"/>
-                                  </p:stCondLst>
-                                  <p:childTnLst>
-                                    <p:set>
-                                      <p:cBhvr>
-                                        <p:cTn id="6" dur="1" fill="hold">
-                                          <p:stCondLst>
-                                            <p:cond delay="0"/>
-                                          </p:stCondLst>
-                                        </p:cTn>
-                                        <p:tgtEl>
-                                          <p:spTgt spid="8"/>
-                                        </p:tgtEl>
-                                        <p:attrNameLst>
-                                          <p:attrName>style.visibility</p:attrName>
-                                        </p:attrNameLst>
-                                      </p:cBhvr>
-                                      <p:to>
-                                        <p:strVal val="visible"/>
-                                      </p:to>
-                                    </p:set>
-                                  </p:childTnLst>
-                                </p:cTn>
-                              </p:par>
-                            </p:childTnLst>
-                          </p:cTn>
-                        </p:par>
-                      </p:childTnLst>
-                    </p:cTn>
-                  </p:par>
-                </p:childTnLst>
-              </p:cTn>
-              <p:prevCondLst>
-                <p:cond evt="onPrev" delay="0">
-                  <p:tgtEl>
-                    <p:sldTgt/>
-                  </p:tgtEl>
-                </p:cond>
-              </p:prevCondLst>
-              <p:nextCondLst>
-                <p:cond evt="onNext" delay="0">
-                  <p:tgtEl>
-                    <p:sldTgt/>
-                  </p:tgtEl>
-                </p:cond>
-              </p:nextCondLst>
-            </p:seq>
-          </p:childTnLst>
-        </p:cTn>
-      </p:par>
-    </p:tnLst>
-    <p:bldLst>
-      <p:bldP spid="8" grpId="0" animBg="1"/>
-    </p:bldLst>
-  </p:timing>
 </p:sld>
 </file>
 
@@ -36140,7 +35985,7 @@
           <a:p>
             <a:fld id="{6700A58B-DD98-43D0-B791-721480A02982}" type="datetime1">
               <a:rPr lang="en-US" smtClean="0"/>
-              <a:t>1/25/21</a:t>
+              <a:t>3/3/21</a:t>
             </a:fld>
             <a:endParaRPr lang="en-US"/>
           </a:p>
@@ -36920,7 +36765,7 @@
           <a:p>
             <a:fld id="{6700A58B-DD98-43D0-B791-721480A02982}" type="datetime1">
               <a:rPr lang="en-US" smtClean="0"/>
-              <a:t>1/25/21</a:t>
+              <a:t>3/3/21</a:t>
             </a:fld>
             <a:endParaRPr lang="en-US"/>
           </a:p>
@@ -37635,7 +37480,7 @@
           <a:p>
             <a:fld id="{6700A58B-DD98-43D0-B791-721480A02982}" type="datetime1">
               <a:rPr lang="en-US" smtClean="0"/>
-              <a:t>1/25/21</a:t>
+              <a:t>3/3/21</a:t>
             </a:fld>
             <a:endParaRPr lang="en-US"/>
           </a:p>
@@ -38742,7 +38587,7 @@
           <a:p>
             <a:fld id="{6700A58B-DD98-43D0-B791-721480A02982}" type="datetime1">
               <a:rPr lang="en-US" smtClean="0"/>
-              <a:t>1/25/21</a:t>
+              <a:t>3/3/21</a:t>
             </a:fld>
             <a:endParaRPr lang="en-US"/>
           </a:p>
@@ -39973,7 +39818,7 @@
           <a:p>
             <a:fld id="{6700A58B-DD98-43D0-B791-721480A02982}" type="datetime1">
               <a:rPr lang="en-US" smtClean="0"/>
-              <a:t>1/25/21</a:t>
+              <a:t>3/3/21</a:t>
             </a:fld>
             <a:endParaRPr lang="en-US"/>
           </a:p>
@@ -40816,7 +40661,7 @@
           <a:p>
             <a:fld id="{6700A58B-DD98-43D0-B791-721480A02982}" type="datetime1">
               <a:rPr lang="en-US" smtClean="0"/>
-              <a:t>1/25/21</a:t>
+              <a:t>3/3/21</a:t>
             </a:fld>
             <a:endParaRPr lang="en-US"/>
           </a:p>
